--- a/JS/007_lesson/Presentation/document_page_objects_2.pptx
+++ b/JS/007_lesson/Presentation/document_page_objects_2.pptx
@@ -3241,7 +3241,7 @@
               <a:rPr lang="ru-RU" dirty="0">
                 <a:latin typeface="Calibri" pitchFamily="34" charset="0"/>
               </a:rPr>
-              <a:t> позволяет поставить стиль целиком в виде строки.</a:t>
+              <a:t> позволяет добавить стиль целиком в виде строки.</a:t>
             </a:r>
             <a:endParaRPr lang="en-US" dirty="0">
               <a:latin typeface="Calibri" pitchFamily="34" charset="0"/>
@@ -3310,9 +3310,7 @@
             <a:r>
               <a:rPr lang="en-US" dirty="0" err="1">
                 <a:solidFill>
-                  <a:schemeClr val="accent1">
-                    <a:lumMod val="75000"/>
-                  </a:schemeClr>
+                  <a:schemeClr val="tx1"/>
                 </a:solidFill>
                 <a:latin typeface="Calibri" pitchFamily="34" charset="0"/>
               </a:rPr>
@@ -3354,9 +3352,7 @@
             <a:r>
               <a:rPr lang="en-US" dirty="0" err="1">
                 <a:solidFill>
-                  <a:schemeClr val="accent1">
-                    <a:lumMod val="75000"/>
-                  </a:schemeClr>
+                  <a:schemeClr val="tx1"/>
                 </a:solidFill>
                 <a:latin typeface="Calibri" pitchFamily="34" charset="0"/>
               </a:rPr>
@@ -3388,22 +3384,11 @@
             <a:r>
               <a:rPr lang="en-US" dirty="0" err="1">
                 <a:solidFill>
-                  <a:schemeClr val="accent1">
-                    <a:lumMod val="75000"/>
-                  </a:schemeClr>
-                </a:solidFill>
-                <a:latin typeface="Calibri" pitchFamily="34" charset="0"/>
-              </a:rPr>
-              <a:t>document</a:t>
-            </a:r>
-            <a:r>
-              <a:rPr lang="en-US" dirty="0" err="1">
-                <a:solidFill>
                   <a:schemeClr val="tx1"/>
                 </a:solidFill>
                 <a:latin typeface="Calibri" pitchFamily="34" charset="0"/>
               </a:rPr>
-              <a:t>.body.style.cssText</a:t>
+              <a:t>document.body.style.cssText</a:t>
             </a:r>
             <a:r>
               <a:rPr lang="en-US" dirty="0">
@@ -3412,27 +3397,7 @@
                 </a:solidFill>
                 <a:latin typeface="Calibri" pitchFamily="34" charset="0"/>
               </a:rPr>
-              <a:t> = ‘</a:t>
-            </a:r>
-            <a:r>
-              <a:rPr lang="en-US" dirty="0">
-                <a:solidFill>
-                  <a:schemeClr val="accent1">
-                    <a:lumMod val="75000"/>
-                  </a:schemeClr>
-                </a:solidFill>
-                <a:latin typeface="Calibri" pitchFamily="34" charset="0"/>
-              </a:rPr>
-              <a:t>color: blue</a:t>
-            </a:r>
-            <a:r>
-              <a:rPr lang="en-US" dirty="0">
-                <a:solidFill>
-                  <a:schemeClr val="tx1"/>
-                </a:solidFill>
-                <a:latin typeface="Calibri" pitchFamily="34" charset="0"/>
-              </a:rPr>
-              <a:t>’;</a:t>
+              <a:t> = ‘color: blue’;</a:t>
             </a:r>
             <a:r>
               <a:rPr lang="en-US" dirty="0">
@@ -3535,7 +3500,19 @@
               <a:rPr lang="ru-RU" dirty="0">
                 <a:latin typeface="Calibri" pitchFamily="34" charset="0"/>
               </a:rPr>
-              <a:t>позволяет получить текущее используемое значение свойства</a:t>
+              <a:t>позволяет </a:t>
+            </a:r>
+            <a:r>
+              <a:rPr lang="ru-RU" dirty="0" err="1">
+                <a:latin typeface="Calibri" pitchFamily="34" charset="0"/>
+              </a:rPr>
+              <a:t>расчитать</a:t>
+            </a:r>
+            <a:r>
+              <a:rPr lang="ru-RU" dirty="0">
+                <a:latin typeface="Calibri" pitchFamily="34" charset="0"/>
+              </a:rPr>
+              <a:t> текущий стиль элемента</a:t>
             </a:r>
             <a:r>
               <a:rPr lang="en-US" dirty="0">
